--- a/Debak/Templates/Template_1_default.pptx
+++ b/Debak/Templates/Template_1_default.pptx
@@ -197,7 +197,7 @@
           <a:p>
             <a:fld id="{B29C12D6-94E5-4110-BC18-66E541723E87}" type="datetimeFigureOut">
               <a:rPr lang="en-IN" smtClean="0"/>
-              <a:t>26-06-2025</a:t>
+              <a:t>27-06-2025</a:t>
             </a:fld>
             <a:endParaRPr lang="en-IN"/>
           </a:p>
@@ -598,10 +598,9 @@
           </a:lstStyle>
           <a:p>
             <a:r>
-              <a:rPr lang="en-US"/>
+              <a:rPr lang="en-US" dirty="0"/>
               <a:t>Click to edit Master subtitle style</a:t>
             </a:r>
-            <a:endParaRPr lang="en-US" dirty="0"/>
           </a:p>
         </p:txBody>
       </p:sp>
@@ -630,9 +629,9 @@
             </a:lvl1pPr>
           </a:lstStyle>
           <a:p>
-            <a:fld id="{BD3184BC-C882-45C2-BD74-D7B533C9FC40}" type="datetime1">
+            <a:fld id="{4428D148-FDAB-4912-8F22-50DC7AC768EC}" type="datetime1">
               <a:rPr lang="en-IN" smtClean="0"/>
-              <a:t>26-06-2025</a:t>
+              <a:t>27-06-2025</a:t>
             </a:fld>
             <a:endParaRPr lang="en-IN"/>
           </a:p>
@@ -663,7 +662,10 @@
             </a:lvl1pPr>
           </a:lstStyle>
           <a:p>
-            <a:endParaRPr lang="en-IN"/>
+            <a:r>
+              <a:rPr lang="en-IN"/>
+              <a:t>Generated By PPTEx</a:t>
+            </a:r>
           </a:p>
         </p:txBody>
       </p:sp>
@@ -857,9 +859,9 @@
           <a:bodyPr/>
           <a:lstStyle/>
           <a:p>
-            <a:fld id="{3F4DF279-52B2-4C76-AE59-F74B9163C1E2}" type="datetime1">
+            <a:fld id="{B65B20A0-84DB-4290-B121-FEE39D0EBE05}" type="datetime1">
               <a:rPr lang="en-IN" smtClean="0"/>
-              <a:t>26-06-2025</a:t>
+              <a:t>27-06-2025</a:t>
             </a:fld>
             <a:endParaRPr lang="en-IN"/>
           </a:p>
@@ -880,7 +882,10 @@
           <a:bodyPr/>
           <a:lstStyle/>
           <a:p>
-            <a:endParaRPr lang="en-IN"/>
+            <a:r>
+              <a:rPr lang="en-IN"/>
+              <a:t>Generated By PPTEx</a:t>
+            </a:r>
           </a:p>
         </p:txBody>
       </p:sp>
@@ -1037,9 +1042,9 @@
           <a:bodyPr/>
           <a:lstStyle/>
           <a:p>
-            <a:fld id="{15C4EF0C-35AE-4281-8C34-8DC4AB0798D5}" type="datetime1">
+            <a:fld id="{4F66BB15-C71D-4B9A-BFED-BE6829BD60A2}" type="datetime1">
               <a:rPr lang="en-IN" smtClean="0"/>
-              <a:t>26-06-2025</a:t>
+              <a:t>27-06-2025</a:t>
             </a:fld>
             <a:endParaRPr lang="en-IN"/>
           </a:p>
@@ -1060,7 +1065,10 @@
           <a:bodyPr/>
           <a:lstStyle/>
           <a:p>
-            <a:endParaRPr lang="en-IN"/>
+            <a:r>
+              <a:rPr lang="en-IN"/>
+              <a:t>Generated By PPTEx</a:t>
+            </a:r>
           </a:p>
         </p:txBody>
       </p:sp>
@@ -1211,9 +1219,9 @@
           <a:bodyPr/>
           <a:lstStyle/>
           <a:p>
-            <a:fld id="{38E4584D-F19D-4A69-AB64-58A0F305A0E2}" type="datetime1">
+            <a:fld id="{C3789C0F-C3BA-4012-B0BB-102C34CFA700}" type="datetime1">
               <a:rPr lang="en-IN" smtClean="0"/>
-              <a:t>26-06-2025</a:t>
+              <a:t>27-06-2025</a:t>
             </a:fld>
             <a:endParaRPr lang="en-IN"/>
           </a:p>
@@ -1234,7 +1242,10 @@
           <a:bodyPr/>
           <a:lstStyle/>
           <a:p>
-            <a:endParaRPr lang="en-IN"/>
+            <a:r>
+              <a:rPr lang="en-IN"/>
+              <a:t>Generated By PPTEx</a:t>
+            </a:r>
           </a:p>
         </p:txBody>
       </p:sp>
@@ -1464,9 +1475,9 @@
           <a:bodyPr/>
           <a:lstStyle/>
           <a:p>
-            <a:fld id="{0DFD5642-9EC6-4E93-89F9-DBC5C8B65C84}" type="datetime1">
+            <a:fld id="{8612B54E-378C-4A55-A630-0D23796AC757}" type="datetime1">
               <a:rPr lang="en-IN" smtClean="0"/>
-              <a:t>26-06-2025</a:t>
+              <a:t>27-06-2025</a:t>
             </a:fld>
             <a:endParaRPr lang="en-IN"/>
           </a:p>
@@ -1487,7 +1498,10 @@
           <a:bodyPr/>
           <a:lstStyle/>
           <a:p>
-            <a:endParaRPr lang="en-IN"/>
+            <a:r>
+              <a:rPr lang="en-IN"/>
+              <a:t>Generated By PPTEx</a:t>
+            </a:r>
           </a:p>
         </p:txBody>
       </p:sp>
@@ -1654,38 +1668,37 @@
           <a:p>
             <a:pPr lvl="0"/>
             <a:r>
-              <a:rPr lang="en-US"/>
+              <a:rPr lang="en-US" dirty="0"/>
               <a:t>Click to edit Master text styles</a:t>
             </a:r>
           </a:p>
           <a:p>
             <a:pPr lvl="1"/>
             <a:r>
-              <a:rPr lang="en-US"/>
+              <a:rPr lang="en-US" dirty="0"/>
               <a:t>Second level</a:t>
             </a:r>
           </a:p>
           <a:p>
             <a:pPr lvl="2"/>
             <a:r>
-              <a:rPr lang="en-US"/>
+              <a:rPr lang="en-US" dirty="0"/>
               <a:t>Third level</a:t>
             </a:r>
           </a:p>
           <a:p>
             <a:pPr lvl="3"/>
             <a:r>
-              <a:rPr lang="en-US"/>
+              <a:rPr lang="en-US" dirty="0"/>
               <a:t>Fourth level</a:t>
             </a:r>
           </a:p>
           <a:p>
             <a:pPr lvl="4"/>
             <a:r>
-              <a:rPr lang="en-US"/>
+              <a:rPr lang="en-US" dirty="0"/>
               <a:t>Fifth level</a:t>
             </a:r>
-            <a:endParaRPr lang="en-US" dirty="0"/>
           </a:p>
         </p:txBody>
       </p:sp>
@@ -1739,38 +1752,37 @@
           <a:p>
             <a:pPr lvl="0"/>
             <a:r>
-              <a:rPr lang="en-US"/>
+              <a:rPr lang="en-US" dirty="0"/>
               <a:t>Click to edit Master text styles</a:t>
             </a:r>
           </a:p>
           <a:p>
             <a:pPr lvl="1"/>
             <a:r>
-              <a:rPr lang="en-US"/>
+              <a:rPr lang="en-US" dirty="0"/>
               <a:t>Second level</a:t>
             </a:r>
           </a:p>
           <a:p>
             <a:pPr lvl="2"/>
             <a:r>
-              <a:rPr lang="en-US"/>
+              <a:rPr lang="en-US" dirty="0"/>
               <a:t>Third level</a:t>
             </a:r>
           </a:p>
           <a:p>
             <a:pPr lvl="3"/>
             <a:r>
-              <a:rPr lang="en-US"/>
+              <a:rPr lang="en-US" dirty="0"/>
               <a:t>Fourth level</a:t>
             </a:r>
           </a:p>
           <a:p>
             <a:pPr lvl="4"/>
             <a:r>
-              <a:rPr lang="en-US"/>
+              <a:rPr lang="en-US" dirty="0"/>
               <a:t>Fifth level</a:t>
             </a:r>
-            <a:endParaRPr lang="en-US" dirty="0"/>
           </a:p>
         </p:txBody>
       </p:sp>
@@ -1789,9 +1801,9 @@
           <a:bodyPr/>
           <a:lstStyle/>
           <a:p>
-            <a:fld id="{483F0788-C6F2-4125-82FE-E0764A27DADC}" type="datetime1">
+            <a:fld id="{32065FF6-4871-41BF-98AB-90BDF667FC8C}" type="datetime1">
               <a:rPr lang="en-IN" smtClean="0"/>
-              <a:t>26-06-2025</a:t>
+              <a:t>27-06-2025</a:t>
             </a:fld>
             <a:endParaRPr lang="en-IN"/>
           </a:p>
@@ -1812,7 +1824,10 @@
           <a:bodyPr/>
           <a:lstStyle/>
           <a:p>
-            <a:endParaRPr lang="en-IN"/>
+            <a:r>
+              <a:rPr lang="en-IN"/>
+              <a:t>Generated By PPTEx</a:t>
+            </a:r>
           </a:p>
         </p:txBody>
       </p:sp>
@@ -2237,9 +2252,9 @@
           <a:bodyPr/>
           <a:lstStyle/>
           <a:p>
-            <a:fld id="{2266E403-3A7F-45AF-A516-AEE6DA6BABF8}" type="datetime1">
+            <a:fld id="{DBF0F95C-5340-4D56-B017-2865624D016F}" type="datetime1">
               <a:rPr lang="en-IN" smtClean="0"/>
-              <a:t>26-06-2025</a:t>
+              <a:t>27-06-2025</a:t>
             </a:fld>
             <a:endParaRPr lang="en-IN"/>
           </a:p>
@@ -2260,6 +2275,10 @@
           <a:bodyPr/>
           <a:lstStyle/>
           <a:p>
+            <a:r>
+              <a:rPr lang="en-IN"/>
+              <a:t>Generated By PPTEx</a:t>
+            </a:r>
             <a:endParaRPr lang="en-IN" dirty="0"/>
           </a:p>
         </p:txBody>
@@ -2354,9 +2373,9 @@
           <a:bodyPr/>
           <a:lstStyle/>
           <a:p>
-            <a:fld id="{746396AE-A07E-4142-838E-8F778167969E}" type="datetime1">
+            <a:fld id="{28DDB1AF-A0A8-41E6-AFC0-ED3AED7C5AA1}" type="datetime1">
               <a:rPr lang="en-IN" smtClean="0"/>
-              <a:t>26-06-2025</a:t>
+              <a:t>27-06-2025</a:t>
             </a:fld>
             <a:endParaRPr lang="en-IN"/>
           </a:p>
@@ -2377,7 +2396,10 @@
           <a:bodyPr/>
           <a:lstStyle/>
           <a:p>
-            <a:endParaRPr lang="en-IN"/>
+            <a:r>
+              <a:rPr lang="en-IN"/>
+              <a:t>Generated By PPTEx</a:t>
+            </a:r>
           </a:p>
         </p:txBody>
       </p:sp>
@@ -2449,9 +2471,9 @@
           <a:bodyPr/>
           <a:lstStyle/>
           <a:p>
-            <a:fld id="{7410BA70-81BB-4BB7-9DE5-C7CFE2A9C1F8}" type="datetime1">
+            <a:fld id="{4C2D87C4-D431-4BB4-99D8-FFB2A294AF14}" type="datetime1">
               <a:rPr lang="en-IN" smtClean="0"/>
-              <a:t>26-06-2025</a:t>
+              <a:t>27-06-2025</a:t>
             </a:fld>
             <a:endParaRPr lang="en-IN"/>
           </a:p>
@@ -2472,7 +2494,10 @@
           <a:bodyPr/>
           <a:lstStyle/>
           <a:p>
-            <a:endParaRPr lang="en-IN"/>
+            <a:r>
+              <a:rPr lang="en-IN"/>
+              <a:t>Generated By PPTEx</a:t>
+            </a:r>
           </a:p>
         </p:txBody>
       </p:sp>
@@ -2734,9 +2759,9 @@
           <a:bodyPr/>
           <a:lstStyle/>
           <a:p>
-            <a:fld id="{B6457271-E44D-4C02-A219-B5F16AED2CB4}" type="datetime1">
+            <a:fld id="{9ED7E1E1-7B81-4CF2-A360-B2850296D51F}" type="datetime1">
               <a:rPr lang="en-IN" smtClean="0"/>
-              <a:t>26-06-2025</a:t>
+              <a:t>27-06-2025</a:t>
             </a:fld>
             <a:endParaRPr lang="en-IN"/>
           </a:p>
@@ -2757,7 +2782,10 @@
           <a:bodyPr/>
           <a:lstStyle/>
           <a:p>
-            <a:endParaRPr lang="en-IN"/>
+            <a:r>
+              <a:rPr lang="en-IN"/>
+              <a:t>Generated By PPTEx</a:t>
+            </a:r>
           </a:p>
         </p:txBody>
       </p:sp>
@@ -3056,9 +3084,9 @@
           <a:bodyPr/>
           <a:lstStyle/>
           <a:p>
-            <a:fld id="{382E24F0-5F17-4440-B82E-D9B8AB4A2602}" type="datetime1">
+            <a:fld id="{F51758F1-F9E0-46CE-8551-56D3C604FDA1}" type="datetime1">
               <a:rPr lang="en-IN" smtClean="0"/>
-              <a:t>26-06-2025</a:t>
+              <a:t>27-06-2025</a:t>
             </a:fld>
             <a:endParaRPr lang="en-IN"/>
           </a:p>
@@ -3079,7 +3107,10 @@
           <a:bodyPr/>
           <a:lstStyle/>
           <a:p>
-            <a:endParaRPr lang="en-IN"/>
+            <a:r>
+              <a:rPr lang="en-IN"/>
+              <a:t>Generated By PPTEx</a:t>
+            </a:r>
           </a:p>
         </p:txBody>
       </p:sp>
@@ -3308,9 +3339,9 @@
             </a:lvl1pPr>
           </a:lstStyle>
           <a:p>
-            <a:fld id="{E5B03C85-FD91-4E12-A3DA-7C6EEA9D092A}" type="datetime1">
+            <a:fld id="{46B18A1C-BC46-4C90-B8B5-8541B3D50B1C}" type="datetime1">
               <a:rPr lang="en-IN" smtClean="0"/>
-              <a:t>26-06-2025</a:t>
+              <a:t>27-06-2025</a:t>
             </a:fld>
             <a:endParaRPr lang="en-IN"/>
           </a:p>
@@ -3350,6 +3381,10 @@
             </a:lvl1pPr>
           </a:lstStyle>
           <a:p>
+            <a:r>
+              <a:rPr lang="en-IN"/>
+              <a:t>Generated By PPTEx</a:t>
+            </a:r>
             <a:endParaRPr lang="en-IN" dirty="0"/>
           </a:p>
         </p:txBody>
@@ -3422,7 +3457,7 @@
   <p:hf hdr="0" ftr="0" dt="0"/>
   <p:txStyles>
     <p:titleStyle>
-      <a:lvl1pPr algn="l" defTabSz="914400" rtl="0" eaLnBrk="1" latinLnBrk="0" hangingPunct="1">
+      <a:lvl1pPr algn="just" defTabSz="914400" rtl="0" eaLnBrk="1" latinLnBrk="0" hangingPunct="1">
         <a:lnSpc>
           <a:spcPct val="90000"/>
         </a:lnSpc>
@@ -3441,7 +3476,7 @@
       </a:lvl1pPr>
     </p:titleStyle>
     <p:bodyStyle>
-      <a:lvl1pPr marL="182880" indent="-182880" algn="l" defTabSz="914400" rtl="0" eaLnBrk="1" latinLnBrk="0" hangingPunct="1">
+      <a:lvl1pPr marL="182880" indent="-182880" algn="just" defTabSz="914400" rtl="0" eaLnBrk="1" latinLnBrk="0" hangingPunct="1">
         <a:lnSpc>
           <a:spcPct val="95000"/>
         </a:lnSpc>
@@ -3466,7 +3501,7 @@
           <a:cs typeface="+mn-cs"/>
         </a:defRPr>
       </a:lvl1pPr>
-      <a:lvl2pPr marL="457200" indent="-182880" algn="l" defTabSz="914400" rtl="0" eaLnBrk="1" latinLnBrk="0" hangingPunct="1">
+      <a:lvl2pPr marL="457200" indent="-182880" algn="just" defTabSz="914400" rtl="0" eaLnBrk="1" latinLnBrk="0" hangingPunct="1">
         <a:lnSpc>
           <a:spcPct val="90000"/>
         </a:lnSpc>
@@ -3493,7 +3528,7 @@
           <a:cs typeface="+mn-cs"/>
         </a:defRPr>
       </a:lvl2pPr>
-      <a:lvl3pPr marL="731520" indent="-182880" algn="l" defTabSz="914400" rtl="0" eaLnBrk="1" latinLnBrk="0" hangingPunct="1">
+      <a:lvl3pPr marL="731520" indent="-182880" algn="just" defTabSz="914400" rtl="0" eaLnBrk="1" latinLnBrk="0" hangingPunct="1">
         <a:lnSpc>
           <a:spcPct val="90000"/>
         </a:lnSpc>
@@ -3520,7 +3555,7 @@
           <a:cs typeface="+mn-cs"/>
         </a:defRPr>
       </a:lvl3pPr>
-      <a:lvl4pPr marL="1005840" indent="-182880" algn="l" defTabSz="914400" rtl="0" eaLnBrk="1" latinLnBrk="0" hangingPunct="1">
+      <a:lvl4pPr marL="1005840" indent="-182880" algn="just" defTabSz="914400" rtl="0" eaLnBrk="1" latinLnBrk="0" hangingPunct="1">
         <a:lnSpc>
           <a:spcPct val="90000"/>
         </a:lnSpc>
@@ -3547,7 +3582,7 @@
           <a:cs typeface="+mn-cs"/>
         </a:defRPr>
       </a:lvl4pPr>
-      <a:lvl5pPr marL="1280160" indent="-182880" algn="l" defTabSz="914400" rtl="0" eaLnBrk="1" latinLnBrk="0" hangingPunct="1">
+      <a:lvl5pPr marL="1280160" indent="-182880" algn="just" defTabSz="914400" rtl="0" eaLnBrk="1" latinLnBrk="0" hangingPunct="1">
         <a:lnSpc>
           <a:spcPct val="90000"/>
         </a:lnSpc>

--- a/Debak/Templates/Template_1_default.pptx
+++ b/Debak/Templates/Template_1_default.pptx
@@ -20700,14 +20700,14 @@
         <a:srgbClr val="666699"/>
       </a:folHlink>
     </a:clrScheme>
-    <a:fontScheme name="Calibri Light-Constantia">
+    <a:fontScheme name="Cambria">
       <a:majorFont>
-        <a:latin typeface="Calibri Light" panose="020F0302020204030204"/>
+        <a:latin typeface="Cambria" panose="02040503050406030204"/>
         <a:ea typeface=""/>
         <a:cs typeface=""/>
-        <a:font script="Jpan" typeface="メイリオ"/>
+        <a:font script="Jpan" typeface="HG明朝B"/>
         <a:font script="Hang" typeface="맑은 고딕"/>
-        <a:font script="Hans" typeface="宋体"/>
+        <a:font script="Hans" typeface="黑体"/>
         <a:font script="Hant" typeface="新細明體"/>
         <a:font script="Arab" typeface="Times New Roman"/>
         <a:font script="Hebr" typeface="Times New Roman"/>
@@ -20737,16 +20737,16 @@
         <a:font script="Geor" typeface="Sylfaen"/>
       </a:majorFont>
       <a:minorFont>
-        <a:latin typeface="Constantia" panose="02030602050306030303"/>
+        <a:latin typeface="Cambria" panose="02040503050406030204"/>
         <a:ea typeface=""/>
         <a:cs typeface=""/>
-        <a:font script="Jpan" typeface="HG明朝E"/>
-        <a:font script="Hang" typeface="궁서"/>
-        <a:font script="Hans" typeface="华文新魏"/>
-        <a:font script="Hant" typeface="標楷體"/>
+        <a:font script="Jpan" typeface="HG明朝B"/>
+        <a:font script="Hang" typeface="맑은 고딕"/>
+        <a:font script="Hans" typeface="黑体"/>
+        <a:font script="Hant" typeface="新細明體"/>
         <a:font script="Arab" typeface="Times New Roman"/>
         <a:font script="Hebr" typeface="Times New Roman"/>
-        <a:font script="Thai" typeface="Browallia New"/>
+        <a:font script="Thai" typeface="Angsana New"/>
         <a:font script="Ethi" typeface="Nyala"/>
         <a:font script="Beng" typeface="Vrinda"/>
         <a:font script="Gujr" typeface="Shruti"/>
